--- a/Конвертер.pptx
+++ b/Конвертер.pptx
@@ -5,7 +5,7 @@
     <p:sldMasterId id="2147483672" r:id="rId1"/>
   </p:sldMasterIdLst>
   <p:notesMasterIdLst>
-    <p:notesMasterId r:id="rId8"/>
+    <p:notesMasterId r:id="rId9"/>
   </p:notesMasterIdLst>
   <p:sldIdLst>
     <p:sldId id="256" r:id="rId2"/>
@@ -13,7 +13,8 @@
     <p:sldId id="258" r:id="rId4"/>
     <p:sldId id="261" r:id="rId5"/>
     <p:sldId id="262" r:id="rId6"/>
-    <p:sldId id="260" r:id="rId7"/>
+    <p:sldId id="263" r:id="rId7"/>
+    <p:sldId id="260" r:id="rId8"/>
   </p:sldIdLst>
   <p:sldSz cx="12192000" cy="6858000"/>
   <p:notesSz cx="6858000" cy="9144000"/>
@@ -564,7 +565,7 @@
           <a:effectLst/>
           <a:extLst>
             <a:ext uri="{91240B29-F687-4f45-9708-019B960494DF}">
-              <a14:hiddenLine xmlns:a14="http://schemas.microsoft.com/office/drawing/2010/main" xmlns="" w="9525">
+              <a14:hiddenLine xmlns="" xmlns:a14="http://schemas.microsoft.com/office/drawing/2010/main" w="9525">
                 <a:solidFill>
                   <a:srgbClr val="000000"/>
                 </a:solidFill>
@@ -2086,7 +2087,7 @@
           <a:ln/>
           <a:extLst>
             <a:ext uri="{91240B29-F687-4f45-9708-019B960494DF}">
-              <a14:hiddenLine xmlns:a14="http://schemas.microsoft.com/office/drawing/2010/main" xmlns="" w="9525">
+              <a14:hiddenLine xmlns="" xmlns:a14="http://schemas.microsoft.com/office/drawing/2010/main" w="9525">
                 <a:solidFill>
                   <a:srgbClr val="000000"/>
                 </a:solidFill>
@@ -2361,7 +2362,7 @@
           <a:ln/>
           <a:extLst>
             <a:ext uri="{91240B29-F687-4f45-9708-019B960494DF}">
-              <a14:hiddenLine xmlns:a14="http://schemas.microsoft.com/office/drawing/2010/main" xmlns="" w="9525">
+              <a14:hiddenLine xmlns="" xmlns:a14="http://schemas.microsoft.com/office/drawing/2010/main" w="9525">
                 <a:solidFill>
                   <a:srgbClr val="000000"/>
                 </a:solidFill>
@@ -2644,7 +2645,7 @@
           <a:ln/>
           <a:extLst>
             <a:ext uri="{91240B29-F687-4f45-9708-019B960494DF}">
-              <a14:hiddenLine xmlns:a14="http://schemas.microsoft.com/office/drawing/2010/main" xmlns="" w="9525">
+              <a14:hiddenLine xmlns="" xmlns:a14="http://schemas.microsoft.com/office/drawing/2010/main" w="9525">
                 <a:solidFill>
                   <a:srgbClr val="000000"/>
                 </a:solidFill>
@@ -3270,7 +3271,7 @@
           <a:ln/>
           <a:extLst>
             <a:ext uri="{91240B29-F687-4f45-9708-019B960494DF}">
-              <a14:hiddenLine xmlns:a14="http://schemas.microsoft.com/office/drawing/2010/main" xmlns="" w="9525">
+              <a14:hiddenLine xmlns="" xmlns:a14="http://schemas.microsoft.com/office/drawing/2010/main" w="9525">
                 <a:solidFill>
                   <a:srgbClr val="000000"/>
                 </a:solidFill>
@@ -3609,7 +3610,7 @@
           <a:ln/>
           <a:extLst>
             <a:ext uri="{91240B29-F687-4f45-9708-019B960494DF}">
-              <a14:hiddenLine xmlns:a14="http://schemas.microsoft.com/office/drawing/2010/main" xmlns="" w="9525">
+              <a14:hiddenLine xmlns="" xmlns:a14="http://schemas.microsoft.com/office/drawing/2010/main" w="9525">
                 <a:solidFill>
                   <a:srgbClr val="000000"/>
                 </a:solidFill>
@@ -4086,7 +4087,7 @@
           <a:ln/>
           <a:extLst>
             <a:ext uri="{91240B29-F687-4f45-9708-019B960494DF}">
-              <a14:hiddenLine xmlns:a14="http://schemas.microsoft.com/office/drawing/2010/main" xmlns="" w="9525">
+              <a14:hiddenLine xmlns="" xmlns:a14="http://schemas.microsoft.com/office/drawing/2010/main" w="9525">
                 <a:solidFill>
                   <a:srgbClr val="000000"/>
                 </a:solidFill>
@@ -4515,7 +4516,7 @@
           <a:ln/>
           <a:extLst>
             <a:ext uri="{91240B29-F687-4f45-9708-019B960494DF}">
-              <a14:hiddenLine xmlns:a14="http://schemas.microsoft.com/office/drawing/2010/main" xmlns="" w="9525">
+              <a14:hiddenLine xmlns="" xmlns:a14="http://schemas.microsoft.com/office/drawing/2010/main" w="9525">
                 <a:solidFill>
                   <a:srgbClr val="000000"/>
                 </a:solidFill>
@@ -7238,8 +7239,8 @@
         </p:blipFill>
         <p:spPr>
           <a:xfrm>
-            <a:off x="995236" y="266912"/>
-            <a:ext cx="4718230" cy="3859556"/>
+            <a:off x="1707613" y="288435"/>
+            <a:ext cx="5289089" cy="4326524"/>
           </a:xfrm>
           <a:prstGeom prst="rect">
             <a:avLst/>
@@ -7268,8 +7269,8 @@
         </p:blipFill>
         <p:spPr>
           <a:xfrm>
-            <a:off x="484893" y="4594702"/>
-            <a:ext cx="6034906" cy="1583363"/>
+            <a:off x="662277" y="4948523"/>
+            <a:ext cx="5886305" cy="1544375"/>
           </a:xfrm>
           <a:prstGeom prst="rect">
             <a:avLst/>
@@ -7278,10 +7279,10 @@
       </p:pic>
       <p:pic>
         <p:nvPicPr>
-          <p:cNvPr id="4" name="Рисунок 3">
+          <p:cNvPr id="5" name="Рисунок 4">
             <a:extLst>
               <a:ext uri="{FF2B5EF4-FFF2-40B4-BE49-F238E27FC236}">
-                <a16:creationId xmlns:a16="http://schemas.microsoft.com/office/drawing/2014/main" id="{525F8726-1139-D6E7-DFE0-C593249AA799}"/>
+                <a16:creationId xmlns:a16="http://schemas.microsoft.com/office/drawing/2014/main" id="{C0B4F20D-FA30-122A-0B12-C164EC6C1432}"/>
               </a:ext>
             </a:extLst>
           </p:cNvPr>
@@ -7298,8 +7299,8 @@
         </p:blipFill>
         <p:spPr>
           <a:xfrm>
-            <a:off x="7616629" y="147966"/>
-            <a:ext cx="3748933" cy="6562068"/>
+            <a:off x="8002534" y="153422"/>
+            <a:ext cx="3955811" cy="6336797"/>
           </a:xfrm>
           <a:prstGeom prst="rect">
             <a:avLst/>
@@ -7320,6 +7321,96 @@
 </file>
 
 <file path=ppt/slides/slide6.xml><?xml version="1.0" encoding="utf-8"?>
+<p:sld xmlns:a="http://schemas.openxmlformats.org/drawingml/2006/main" xmlns:r="http://schemas.openxmlformats.org/officeDocument/2006/relationships" xmlns:p="http://schemas.openxmlformats.org/presentationml/2006/main">
+  <p:cSld>
+    <p:spTree>
+      <p:nvGrpSpPr>
+        <p:cNvPr id="1" name=""/>
+        <p:cNvGrpSpPr/>
+        <p:nvPr/>
+      </p:nvGrpSpPr>
+      <p:grpSpPr>
+        <a:xfrm>
+          <a:off x="0" y="0"/>
+          <a:ext cx="0" cy="0"/>
+          <a:chOff x="0" y="0"/>
+          <a:chExt cx="0" cy="0"/>
+        </a:xfrm>
+      </p:grpSpPr>
+      <p:pic>
+        <p:nvPicPr>
+          <p:cNvPr id="3" name="Рисунок 2">
+            <a:extLst>
+              <a:ext uri="{FF2B5EF4-FFF2-40B4-BE49-F238E27FC236}">
+                <a16:creationId xmlns:a16="http://schemas.microsoft.com/office/drawing/2014/main" id="{40DC99A2-D48B-1ADF-A821-69639DED5DEC}"/>
+              </a:ext>
+            </a:extLst>
+          </p:cNvPr>
+          <p:cNvPicPr>
+            <a:picLocks noChangeAspect="1"/>
+          </p:cNvPicPr>
+          <p:nvPr/>
+        </p:nvPicPr>
+        <p:blipFill>
+          <a:blip r:embed="rId2"/>
+          <a:stretch>
+            <a:fillRect/>
+          </a:stretch>
+        </p:blipFill>
+        <p:spPr>
+          <a:xfrm>
+            <a:off x="302581" y="362078"/>
+            <a:ext cx="4429191" cy="5934395"/>
+          </a:xfrm>
+          <a:prstGeom prst="rect">
+            <a:avLst/>
+          </a:prstGeom>
+        </p:spPr>
+      </p:pic>
+      <p:pic>
+        <p:nvPicPr>
+          <p:cNvPr id="5" name="Рисунок 4">
+            <a:extLst>
+              <a:ext uri="{FF2B5EF4-FFF2-40B4-BE49-F238E27FC236}">
+                <a16:creationId xmlns:a16="http://schemas.microsoft.com/office/drawing/2014/main" id="{F332D8D8-2FBC-0D9A-6D2F-B5313668A2F4}"/>
+              </a:ext>
+            </a:extLst>
+          </p:cNvPr>
+          <p:cNvPicPr>
+            <a:picLocks noChangeAspect="1"/>
+          </p:cNvPicPr>
+          <p:nvPr/>
+        </p:nvPicPr>
+        <p:blipFill>
+          <a:blip r:embed="rId3"/>
+          <a:stretch>
+            <a:fillRect/>
+          </a:stretch>
+        </p:blipFill>
+        <p:spPr>
+          <a:xfrm>
+            <a:off x="5506588" y="570733"/>
+            <a:ext cx="5244127" cy="5069090"/>
+          </a:xfrm>
+          <a:prstGeom prst="rect">
+            <a:avLst/>
+          </a:prstGeom>
+        </p:spPr>
+      </p:pic>
+    </p:spTree>
+    <p:extLst>
+      <p:ext uri="{BB962C8B-B14F-4D97-AF65-F5344CB8AC3E}">
+        <p14:creationId xmlns:p14="http://schemas.microsoft.com/office/powerpoint/2010/main" val="4079343949"/>
+      </p:ext>
+    </p:extLst>
+  </p:cSld>
+  <p:clrMapOvr>
+    <a:masterClrMapping/>
+  </p:clrMapOvr>
+</p:sld>
+</file>
+
+<file path=ppt/slides/slide7.xml><?xml version="1.0" encoding="utf-8"?>
 <p:sld xmlns:a="http://schemas.openxmlformats.org/drawingml/2006/main" xmlns:r="http://schemas.openxmlformats.org/officeDocument/2006/relationships" xmlns:p="http://schemas.openxmlformats.org/presentationml/2006/main">
   <p:cSld>
     <p:spTree>

--- a/Конвертер.pptx
+++ b/Конвертер.pptx
@@ -565,7 +565,7 @@
           <a:effectLst/>
           <a:extLst>
             <a:ext uri="{91240B29-F687-4f45-9708-019B960494DF}">
-              <a14:hiddenLine xmlns="" xmlns:a14="http://schemas.microsoft.com/office/drawing/2010/main" w="9525">
+              <a14:hiddenLine xmlns:a14="http://schemas.microsoft.com/office/drawing/2010/main" xmlns="" w="9525">
                 <a:solidFill>
                   <a:srgbClr val="000000"/>
                 </a:solidFill>
@@ -2087,7 +2087,7 @@
           <a:ln/>
           <a:extLst>
             <a:ext uri="{91240B29-F687-4f45-9708-019B960494DF}">
-              <a14:hiddenLine xmlns="" xmlns:a14="http://schemas.microsoft.com/office/drawing/2010/main" w="9525">
+              <a14:hiddenLine xmlns:a14="http://schemas.microsoft.com/office/drawing/2010/main" xmlns="" w="9525">
                 <a:solidFill>
                   <a:srgbClr val="000000"/>
                 </a:solidFill>
@@ -2362,7 +2362,7 @@
           <a:ln/>
           <a:extLst>
             <a:ext uri="{91240B29-F687-4f45-9708-019B960494DF}">
-              <a14:hiddenLine xmlns="" xmlns:a14="http://schemas.microsoft.com/office/drawing/2010/main" w="9525">
+              <a14:hiddenLine xmlns:a14="http://schemas.microsoft.com/office/drawing/2010/main" xmlns="" w="9525">
                 <a:solidFill>
                   <a:srgbClr val="000000"/>
                 </a:solidFill>
@@ -2645,7 +2645,7 @@
           <a:ln/>
           <a:extLst>
             <a:ext uri="{91240B29-F687-4f45-9708-019B960494DF}">
-              <a14:hiddenLine xmlns="" xmlns:a14="http://schemas.microsoft.com/office/drawing/2010/main" w="9525">
+              <a14:hiddenLine xmlns:a14="http://schemas.microsoft.com/office/drawing/2010/main" xmlns="" w="9525">
                 <a:solidFill>
                   <a:srgbClr val="000000"/>
                 </a:solidFill>
@@ -3271,7 +3271,7 @@
           <a:ln/>
           <a:extLst>
             <a:ext uri="{91240B29-F687-4f45-9708-019B960494DF}">
-              <a14:hiddenLine xmlns="" xmlns:a14="http://schemas.microsoft.com/office/drawing/2010/main" w="9525">
+              <a14:hiddenLine xmlns:a14="http://schemas.microsoft.com/office/drawing/2010/main" xmlns="" w="9525">
                 <a:solidFill>
                   <a:srgbClr val="000000"/>
                 </a:solidFill>
@@ -3610,7 +3610,7 @@
           <a:ln/>
           <a:extLst>
             <a:ext uri="{91240B29-F687-4f45-9708-019B960494DF}">
-              <a14:hiddenLine xmlns="" xmlns:a14="http://schemas.microsoft.com/office/drawing/2010/main" w="9525">
+              <a14:hiddenLine xmlns:a14="http://schemas.microsoft.com/office/drawing/2010/main" xmlns="" w="9525">
                 <a:solidFill>
                   <a:srgbClr val="000000"/>
                 </a:solidFill>
@@ -4087,7 +4087,7 @@
           <a:ln/>
           <a:extLst>
             <a:ext uri="{91240B29-F687-4f45-9708-019B960494DF}">
-              <a14:hiddenLine xmlns="" xmlns:a14="http://schemas.microsoft.com/office/drawing/2010/main" w="9525">
+              <a14:hiddenLine xmlns:a14="http://schemas.microsoft.com/office/drawing/2010/main" xmlns="" w="9525">
                 <a:solidFill>
                   <a:srgbClr val="000000"/>
                 </a:solidFill>
@@ -4516,7 +4516,7 @@
           <a:ln/>
           <a:extLst>
             <a:ext uri="{91240B29-F687-4f45-9708-019B960494DF}">
-              <a14:hiddenLine xmlns="" xmlns:a14="http://schemas.microsoft.com/office/drawing/2010/main" w="9525">
+              <a14:hiddenLine xmlns:a14="http://schemas.microsoft.com/office/drawing/2010/main" xmlns="" w="9525">
                 <a:solidFill>
                   <a:srgbClr val="000000"/>
                 </a:solidFill>
@@ -5798,7 +5798,7 @@
           <a:p>
             <a:r>
               <a:rPr lang="ru-RU" dirty="0"/>
-              <a:t>Подготовленно Ивлевым Глебом</a:t>
+              <a:t>Подготовил Ивлев Глеб</a:t>
             </a:r>
           </a:p>
         </p:txBody>

--- a/Конвертер.pptx
+++ b/Конвертер.pptx
@@ -565,7 +565,7 @@
           <a:effectLst/>
           <a:extLst>
             <a:ext uri="{91240B29-F687-4f45-9708-019B960494DF}">
-              <a14:hiddenLine xmlns:a14="http://schemas.microsoft.com/office/drawing/2010/main" xmlns="" w="9525">
+              <a14:hiddenLine xmlns="" xmlns:a14="http://schemas.microsoft.com/office/drawing/2010/main" w="9525">
                 <a:solidFill>
                   <a:srgbClr val="000000"/>
                 </a:solidFill>
@@ -2087,7 +2087,7 @@
           <a:ln/>
           <a:extLst>
             <a:ext uri="{91240B29-F687-4f45-9708-019B960494DF}">
-              <a14:hiddenLine xmlns:a14="http://schemas.microsoft.com/office/drawing/2010/main" xmlns="" w="9525">
+              <a14:hiddenLine xmlns="" xmlns:a14="http://schemas.microsoft.com/office/drawing/2010/main" w="9525">
                 <a:solidFill>
                   <a:srgbClr val="000000"/>
                 </a:solidFill>
@@ -2362,7 +2362,7 @@
           <a:ln/>
           <a:extLst>
             <a:ext uri="{91240B29-F687-4f45-9708-019B960494DF}">
-              <a14:hiddenLine xmlns:a14="http://schemas.microsoft.com/office/drawing/2010/main" xmlns="" w="9525">
+              <a14:hiddenLine xmlns="" xmlns:a14="http://schemas.microsoft.com/office/drawing/2010/main" w="9525">
                 <a:solidFill>
                   <a:srgbClr val="000000"/>
                 </a:solidFill>
@@ -2645,7 +2645,7 @@
           <a:ln/>
           <a:extLst>
             <a:ext uri="{91240B29-F687-4f45-9708-019B960494DF}">
-              <a14:hiddenLine xmlns:a14="http://schemas.microsoft.com/office/drawing/2010/main" xmlns="" w="9525">
+              <a14:hiddenLine xmlns="" xmlns:a14="http://schemas.microsoft.com/office/drawing/2010/main" w="9525">
                 <a:solidFill>
                   <a:srgbClr val="000000"/>
                 </a:solidFill>
@@ -3271,7 +3271,7 @@
           <a:ln/>
           <a:extLst>
             <a:ext uri="{91240B29-F687-4f45-9708-019B960494DF}">
-              <a14:hiddenLine xmlns:a14="http://schemas.microsoft.com/office/drawing/2010/main" xmlns="" w="9525">
+              <a14:hiddenLine xmlns="" xmlns:a14="http://schemas.microsoft.com/office/drawing/2010/main" w="9525">
                 <a:solidFill>
                   <a:srgbClr val="000000"/>
                 </a:solidFill>
@@ -3610,7 +3610,7 @@
           <a:ln/>
           <a:extLst>
             <a:ext uri="{91240B29-F687-4f45-9708-019B960494DF}">
-              <a14:hiddenLine xmlns:a14="http://schemas.microsoft.com/office/drawing/2010/main" xmlns="" w="9525">
+              <a14:hiddenLine xmlns="" xmlns:a14="http://schemas.microsoft.com/office/drawing/2010/main" w="9525">
                 <a:solidFill>
                   <a:srgbClr val="000000"/>
                 </a:solidFill>
@@ -4087,7 +4087,7 @@
           <a:ln/>
           <a:extLst>
             <a:ext uri="{91240B29-F687-4f45-9708-019B960494DF}">
-              <a14:hiddenLine xmlns:a14="http://schemas.microsoft.com/office/drawing/2010/main" xmlns="" w="9525">
+              <a14:hiddenLine xmlns="" xmlns:a14="http://schemas.microsoft.com/office/drawing/2010/main" w="9525">
                 <a:solidFill>
                   <a:srgbClr val="000000"/>
                 </a:solidFill>
@@ -4516,7 +4516,7 @@
           <a:ln/>
           <a:extLst>
             <a:ext uri="{91240B29-F687-4f45-9708-019B960494DF}">
-              <a14:hiddenLine xmlns:a14="http://schemas.microsoft.com/office/drawing/2010/main" xmlns="" w="9525">
+              <a14:hiddenLine xmlns="" xmlns:a14="http://schemas.microsoft.com/office/drawing/2010/main" w="9525">
                 <a:solidFill>
                   <a:srgbClr val="000000"/>
                 </a:solidFill>
@@ -7390,7 +7390,37 @@
         <p:spPr>
           <a:xfrm>
             <a:off x="5506588" y="570733"/>
-            <a:ext cx="5244127" cy="5069090"/>
+            <a:ext cx="4803425" cy="4643098"/>
+          </a:xfrm>
+          <a:prstGeom prst="rect">
+            <a:avLst/>
+          </a:prstGeom>
+        </p:spPr>
+      </p:pic>
+      <p:pic>
+        <p:nvPicPr>
+          <p:cNvPr id="7" name="Рисунок 6">
+            <a:extLst>
+              <a:ext uri="{FF2B5EF4-FFF2-40B4-BE49-F238E27FC236}">
+                <a16:creationId xmlns:a16="http://schemas.microsoft.com/office/drawing/2014/main" id="{F9F9CA0F-0A2B-066F-B5BE-9D06AC0A910C}"/>
+              </a:ext>
+            </a:extLst>
+          </p:cNvPr>
+          <p:cNvPicPr>
+            <a:picLocks noChangeAspect="1"/>
+          </p:cNvPicPr>
+          <p:nvPr/>
+        </p:nvPicPr>
+        <p:blipFill>
+          <a:blip r:embed="rId4"/>
+          <a:stretch>
+            <a:fillRect/>
+          </a:stretch>
+        </p:blipFill>
+        <p:spPr>
+          <a:xfrm>
+            <a:off x="7460230" y="5568922"/>
+            <a:ext cx="3758802" cy="994222"/>
           </a:xfrm>
           <a:prstGeom prst="rect">
             <a:avLst/>
